--- a/module-2/Building-Microservices-Using-an-API-Gateway.pptx
+++ b/module-2/Building-Microservices-Using-an-API-Gateway.pptx
@@ -246,7 +246,7 @@
           <a:p>
             <a:fld id="{55F1BA77-3004-4EC2-B641-044DD8A565A6}" type="datetimeFigureOut">
               <a:rPr lang="en-US" smtClean="0"/>
-              <a:t>1/4/2022</a:t>
+              <a:t>1/8/2022</a:t>
             </a:fld>
             <a:endParaRPr lang="en-US"/>
           </a:p>
@@ -416,7 +416,7 @@
           <a:p>
             <a:fld id="{55F1BA77-3004-4EC2-B641-044DD8A565A6}" type="datetimeFigureOut">
               <a:rPr lang="en-US" smtClean="0"/>
-              <a:t>1/4/2022</a:t>
+              <a:t>1/8/2022</a:t>
             </a:fld>
             <a:endParaRPr lang="en-US"/>
           </a:p>
@@ -596,7 +596,7 @@
           <a:p>
             <a:fld id="{55F1BA77-3004-4EC2-B641-044DD8A565A6}" type="datetimeFigureOut">
               <a:rPr lang="en-US" smtClean="0"/>
-              <a:t>1/4/2022</a:t>
+              <a:t>1/8/2022</a:t>
             </a:fld>
             <a:endParaRPr lang="en-US"/>
           </a:p>
@@ -766,7 +766,7 @@
           <a:p>
             <a:fld id="{55F1BA77-3004-4EC2-B641-044DD8A565A6}" type="datetimeFigureOut">
               <a:rPr lang="en-US" smtClean="0"/>
-              <a:t>1/4/2022</a:t>
+              <a:t>1/8/2022</a:t>
             </a:fld>
             <a:endParaRPr lang="en-US"/>
           </a:p>
@@ -1012,7 +1012,7 @@
           <a:p>
             <a:fld id="{55F1BA77-3004-4EC2-B641-044DD8A565A6}" type="datetimeFigureOut">
               <a:rPr lang="en-US" smtClean="0"/>
-              <a:t>1/4/2022</a:t>
+              <a:t>1/8/2022</a:t>
             </a:fld>
             <a:endParaRPr lang="en-US"/>
           </a:p>
@@ -1244,7 +1244,7 @@
           <a:p>
             <a:fld id="{55F1BA77-3004-4EC2-B641-044DD8A565A6}" type="datetimeFigureOut">
               <a:rPr lang="en-US" smtClean="0"/>
-              <a:t>1/4/2022</a:t>
+              <a:t>1/8/2022</a:t>
             </a:fld>
             <a:endParaRPr lang="en-US"/>
           </a:p>
@@ -1611,7 +1611,7 @@
           <a:p>
             <a:fld id="{55F1BA77-3004-4EC2-B641-044DD8A565A6}" type="datetimeFigureOut">
               <a:rPr lang="en-US" smtClean="0"/>
-              <a:t>1/4/2022</a:t>
+              <a:t>1/8/2022</a:t>
             </a:fld>
             <a:endParaRPr lang="en-US"/>
           </a:p>
@@ -1729,7 +1729,7 @@
           <a:p>
             <a:fld id="{55F1BA77-3004-4EC2-B641-044DD8A565A6}" type="datetimeFigureOut">
               <a:rPr lang="en-US" smtClean="0"/>
-              <a:t>1/4/2022</a:t>
+              <a:t>1/8/2022</a:t>
             </a:fld>
             <a:endParaRPr lang="en-US"/>
           </a:p>
@@ -1824,7 +1824,7 @@
           <a:p>
             <a:fld id="{55F1BA77-3004-4EC2-B641-044DD8A565A6}" type="datetimeFigureOut">
               <a:rPr lang="en-US" smtClean="0"/>
-              <a:t>1/4/2022</a:t>
+              <a:t>1/8/2022</a:t>
             </a:fld>
             <a:endParaRPr lang="en-US"/>
           </a:p>
@@ -2101,7 +2101,7 @@
           <a:p>
             <a:fld id="{55F1BA77-3004-4EC2-B641-044DD8A565A6}" type="datetimeFigureOut">
               <a:rPr lang="en-US" smtClean="0"/>
-              <a:t>1/4/2022</a:t>
+              <a:t>1/8/2022</a:t>
             </a:fld>
             <a:endParaRPr lang="en-US"/>
           </a:p>
@@ -2354,7 +2354,7 @@
           <a:p>
             <a:fld id="{55F1BA77-3004-4EC2-B641-044DD8A565A6}" type="datetimeFigureOut">
               <a:rPr lang="en-US" smtClean="0"/>
-              <a:t>1/4/2022</a:t>
+              <a:t>1/8/2022</a:t>
             </a:fld>
             <a:endParaRPr lang="en-US"/>
           </a:p>
@@ -2567,7 +2567,7 @@
           <a:p>
             <a:fld id="{55F1BA77-3004-4EC2-B641-044DD8A565A6}" type="datetimeFigureOut">
               <a:rPr lang="en-US" smtClean="0"/>
-              <a:t>1/4/2022</a:t>
+              <a:t>1/8/2022</a:t>
             </a:fld>
             <a:endParaRPr lang="en-US"/>
           </a:p>
@@ -3080,9 +3080,84 @@
   <p:timing>
     <p:tnLst>
       <p:par>
-        <p:cTn id="1" dur="indefinite" restart="never" nodeType="tmRoot"/>
+        <p:cTn id="1" dur="indefinite" restart="never" nodeType="tmRoot">
+          <p:childTnLst>
+            <p:seq concurrent="1" nextAc="seek">
+              <p:cTn id="2" dur="indefinite" nodeType="mainSeq">
+                <p:childTnLst>
+                  <p:par>
+                    <p:cTn id="3" fill="hold">
+                      <p:stCondLst>
+                        <p:cond delay="indefinite"/>
+                      </p:stCondLst>
+                      <p:childTnLst>
+                        <p:par>
+                          <p:cTn id="4" fill="hold">
+                            <p:stCondLst>
+                              <p:cond delay="0"/>
+                            </p:stCondLst>
+                            <p:childTnLst>
+                              <p:par>
+                                <p:cTn id="5" presetID="1" presetClass="entr" presetSubtype="0" fill="hold" grpId="0" nodeType="clickEffect">
+                                  <p:stCondLst>
+                                    <p:cond delay="0"/>
+                                  </p:stCondLst>
+                                  <p:childTnLst>
+                                    <p:set>
+                                      <p:cBhvr>
+                                        <p:cTn id="6" dur="1" fill="hold">
+                                          <p:stCondLst>
+                                            <p:cond delay="0"/>
+                                          </p:stCondLst>
+                                        </p:cTn>
+                                        <p:tgtEl>
+                                          <p:spTgt spid="3">
+                                            <p:txEl>
+                                              <p:pRg st="0" end="0"/>
+                                            </p:txEl>
+                                          </p:spTgt>
+                                        </p:tgtEl>
+                                        <p:attrNameLst>
+                                          <p:attrName>style.visibility</p:attrName>
+                                        </p:attrNameLst>
+                                      </p:cBhvr>
+                                      <p:to>
+                                        <p:strVal val="visible"/>
+                                      </p:to>
+                                    </p:set>
+                                  </p:childTnLst>
+                                </p:cTn>
+                              </p:par>
+                            </p:childTnLst>
+                          </p:cTn>
+                        </p:par>
+                      </p:childTnLst>
+                    </p:cTn>
+                  </p:par>
+                </p:childTnLst>
+              </p:cTn>
+              <p:prevCondLst>
+                <p:cond evt="onPrev" delay="0">
+                  <p:tgtEl>
+                    <p:sldTgt/>
+                  </p:tgtEl>
+                </p:cond>
+              </p:prevCondLst>
+              <p:nextCondLst>
+                <p:cond evt="onNext" delay="0">
+                  <p:tgtEl>
+                    <p:sldTgt/>
+                  </p:tgtEl>
+                </p:cond>
+              </p:nextCondLst>
+            </p:seq>
+          </p:childTnLst>
+        </p:cTn>
       </p:par>
     </p:tnLst>
+    <p:bldLst>
+      <p:bldP spid="3" grpId="0" build="p"/>
+    </p:bldLst>
   </p:timing>
 </p:sld>
 </file>
@@ -3903,7 +3978,35 @@
                 <a:latin typeface="Times New Roman" panose="02020603050405020304" pitchFamily="18" charset="0"/>
                 <a:cs typeface="Times New Roman" panose="02020603050405020304" pitchFamily="18" charset="0"/>
               </a:rPr>
-              <a:t> secure (access control, rate limiting) </a:t>
+              <a:t> secure </a:t>
+            </a:r>
+            <a:r>
+              <a:rPr lang="en-US" dirty="0" smtClean="0">
+                <a:latin typeface="Times New Roman" panose="02020603050405020304" pitchFamily="18" charset="0"/>
+                <a:cs typeface="Times New Roman" panose="02020603050405020304" pitchFamily="18" charset="0"/>
+              </a:rPr>
+              <a:t>(hide </a:t>
+            </a:r>
+            <a:r>
+              <a:rPr lang="en-US" dirty="0" err="1" smtClean="0">
+                <a:latin typeface="Times New Roman" panose="02020603050405020304" pitchFamily="18" charset="0"/>
+                <a:cs typeface="Times New Roman" panose="02020603050405020304" pitchFamily="18" charset="0"/>
+              </a:rPr>
+              <a:t>ip</a:t>
+            </a:r>
+            <a:r>
+              <a:rPr lang="en-US" dirty="0" smtClean="0">
+                <a:latin typeface="Times New Roman" panose="02020603050405020304" pitchFamily="18" charset="0"/>
+                <a:cs typeface="Times New Roman" panose="02020603050405020304" pitchFamily="18" charset="0"/>
+              </a:rPr>
+              <a:t>, access </a:t>
+            </a:r>
+            <a:r>
+              <a:rPr lang="en-US" dirty="0" smtClean="0">
+                <a:latin typeface="Times New Roman" panose="02020603050405020304" pitchFamily="18" charset="0"/>
+                <a:cs typeface="Times New Roman" panose="02020603050405020304" pitchFamily="18" charset="0"/>
+              </a:rPr>
+              <a:t>control, rate limiting) </a:t>
             </a:r>
             <a:r>
               <a:rPr lang="en-US" dirty="0" err="1" smtClean="0">
@@ -4276,6 +4379,130 @@
   <p:clrMapOvr>
     <a:masterClrMapping/>
   </p:clrMapOvr>
+  <p:timing>
+    <p:tnLst>
+      <p:par>
+        <p:cTn id="1" dur="indefinite" restart="never" nodeType="tmRoot">
+          <p:childTnLst>
+            <p:seq concurrent="1" nextAc="seek">
+              <p:cTn id="2" dur="indefinite" nodeType="mainSeq">
+                <p:childTnLst>
+                  <p:par>
+                    <p:cTn id="3" fill="hold">
+                      <p:stCondLst>
+                        <p:cond delay="indefinite"/>
+                      </p:stCondLst>
+                      <p:childTnLst>
+                        <p:par>
+                          <p:cTn id="4" fill="hold">
+                            <p:stCondLst>
+                              <p:cond delay="0"/>
+                            </p:stCondLst>
+                            <p:childTnLst>
+                              <p:par>
+                                <p:cTn id="5" presetID="1" presetClass="entr" presetSubtype="0" fill="hold" grpId="0" nodeType="clickEffect">
+                                  <p:stCondLst>
+                                    <p:cond delay="0"/>
+                                  </p:stCondLst>
+                                  <p:childTnLst>
+                                    <p:set>
+                                      <p:cBhvr>
+                                        <p:cTn id="6" dur="1" fill="hold">
+                                          <p:stCondLst>
+                                            <p:cond delay="0"/>
+                                          </p:stCondLst>
+                                        </p:cTn>
+                                        <p:tgtEl>
+                                          <p:spTgt spid="4"/>
+                                        </p:tgtEl>
+                                        <p:attrNameLst>
+                                          <p:attrName>style.visibility</p:attrName>
+                                        </p:attrNameLst>
+                                      </p:cBhvr>
+                                      <p:to>
+                                        <p:strVal val="visible"/>
+                                      </p:to>
+                                    </p:set>
+                                  </p:childTnLst>
+                                </p:cTn>
+                              </p:par>
+                            </p:childTnLst>
+                          </p:cTn>
+                        </p:par>
+                      </p:childTnLst>
+                    </p:cTn>
+                  </p:par>
+                  <p:par>
+                    <p:cTn id="7" fill="hold">
+                      <p:stCondLst>
+                        <p:cond delay="indefinite"/>
+                      </p:stCondLst>
+                      <p:childTnLst>
+                        <p:par>
+                          <p:cTn id="8" fill="hold">
+                            <p:stCondLst>
+                              <p:cond delay="0"/>
+                            </p:stCondLst>
+                            <p:childTnLst>
+                              <p:par>
+                                <p:cTn id="9" presetID="1" presetClass="entr" presetSubtype="0" fill="hold" grpId="0" nodeType="clickEffect">
+                                  <p:stCondLst>
+                                    <p:cond delay="0"/>
+                                  </p:stCondLst>
+                                  <p:childTnLst>
+                                    <p:set>
+                                      <p:cBhvr>
+                                        <p:cTn id="10" dur="1" fill="hold">
+                                          <p:stCondLst>
+                                            <p:cond delay="0"/>
+                                          </p:stCondLst>
+                                        </p:cTn>
+                                        <p:tgtEl>
+                                          <p:spTgt spid="6"/>
+                                        </p:tgtEl>
+                                        <p:attrNameLst>
+                                          <p:attrName>style.visibility</p:attrName>
+                                        </p:attrNameLst>
+                                      </p:cBhvr>
+                                      <p:to>
+                                        <p:strVal val="visible"/>
+                                      </p:to>
+                                    </p:set>
+                                  </p:childTnLst>
+                                </p:cTn>
+                              </p:par>
+                            </p:childTnLst>
+                          </p:cTn>
+                        </p:par>
+                      </p:childTnLst>
+                    </p:cTn>
+                  </p:par>
+                </p:childTnLst>
+              </p:cTn>
+              <p:prevCondLst>
+                <p:cond evt="onPrev" delay="0">
+                  <p:tgtEl>
+                    <p:sldTgt/>
+                  </p:tgtEl>
+                </p:cond>
+              </p:prevCondLst>
+              <p:nextCondLst>
+                <p:cond evt="onNext" delay="0">
+                  <p:tgtEl>
+                    <p:sldTgt/>
+                  </p:tgtEl>
+                </p:cond>
+              </p:nextCondLst>
+            </p:seq>
+          </p:childTnLst>
+        </p:cTn>
+      </p:par>
+    </p:tnLst>
+    <p:bldLst>
+      <p:bldP spid="4" grpId="0"/>
+      <p:bldP spid="6" grpId="0"/>
+    </p:bldLst>
+  </p:timing>
 </p:sld>
 </file>
 
@@ -4794,7 +5021,7 @@
         </p:nvSpPr>
         <p:spPr>
           <a:xfrm flipH="1">
-            <a:off x="9045821" y="1903721"/>
+            <a:off x="7399168" y="1823954"/>
             <a:ext cx="2894126" cy="369332"/>
           </a:xfrm>
           <a:prstGeom prst="rect">
@@ -5030,14 +5257,14 @@
           </a:lstStyle>
           <a:p>
             <a:r>
-              <a:rPr lang="en-US" u="sng" smtClean="0">
+              <a:rPr lang="en-US" u="sng" dirty="0" smtClean="0">
                 <a:latin typeface="Times New Roman" panose="02020603050405020304" pitchFamily="18" charset="0"/>
                 <a:cs typeface="Times New Roman" panose="02020603050405020304" pitchFamily="18" charset="0"/>
               </a:rPr>
               <a:t>Throughput</a:t>
             </a:r>
             <a:r>
-              <a:rPr lang="en-US" smtClean="0">
+              <a:rPr lang="en-US" dirty="0" smtClean="0">
                 <a:latin typeface="Times New Roman" panose="02020603050405020304" pitchFamily="18" charset="0"/>
                 <a:cs typeface="Times New Roman" panose="02020603050405020304" pitchFamily="18" charset="0"/>
               </a:rPr>
@@ -5046,14 +5273,14 @@
           </a:p>
           <a:p>
             <a:r>
-              <a:rPr lang="en-US" u="sng" smtClean="0">
+              <a:rPr lang="en-US" u="sng" dirty="0" smtClean="0">
                 <a:latin typeface="Times New Roman" panose="02020603050405020304" pitchFamily="18" charset="0"/>
                 <a:cs typeface="Times New Roman" panose="02020603050405020304" pitchFamily="18" charset="0"/>
               </a:rPr>
               <a:t>JWT</a:t>
             </a:r>
             <a:r>
-              <a:rPr lang="en-US" smtClean="0">
+              <a:rPr lang="en-US" dirty="0" smtClean="0">
                 <a:latin typeface="Times New Roman" panose="02020603050405020304" pitchFamily="18" charset="0"/>
                 <a:cs typeface="Times New Roman" panose="02020603050405020304" pitchFamily="18" charset="0"/>
               </a:rPr>
@@ -5062,40 +5289,110 @@
           </a:p>
           <a:p>
             <a:r>
-              <a:rPr lang="en-US" u="sng" smtClean="0">
+              <a:rPr lang="en-US" u="sng" dirty="0" smtClean="0">
                 <a:latin typeface="Times New Roman" panose="02020603050405020304" pitchFamily="18" charset="0"/>
                 <a:cs typeface="Times New Roman" panose="02020603050405020304" pitchFamily="18" charset="0"/>
               </a:rPr>
               <a:t>Caching</a:t>
             </a:r>
             <a:r>
-              <a:rPr lang="en-US" smtClean="0">
-                <a:latin typeface="Times New Roman" panose="02020603050405020304" pitchFamily="18" charset="0"/>
-                <a:cs typeface="Times New Roman" panose="02020603050405020304" pitchFamily="18" charset="0"/>
-              </a:rPr>
-              <a:t> và handle partial failures (circle breaker, failback)</a:t>
-            </a:r>
-          </a:p>
-          <a:p>
-            <a:r>
-              <a:rPr lang="en-US" smtClean="0">
-                <a:latin typeface="Times New Roman" panose="02020603050405020304" pitchFamily="18" charset="0"/>
-                <a:cs typeface="Times New Roman" panose="02020603050405020304" pitchFamily="18" charset="0"/>
-              </a:rPr>
-              <a:t>Support nhiều loại backend: Web, Thrift, GRPC, AMQP, …</a:t>
-            </a:r>
-          </a:p>
-          <a:p>
-            <a:r>
-              <a:rPr lang="en-US" smtClean="0">
-                <a:latin typeface="Times New Roman" panose="02020603050405020304" pitchFamily="18" charset="0"/>
-                <a:cs typeface="Times New Roman" panose="02020603050405020304" pitchFamily="18" charset="0"/>
-              </a:rPr>
-              <a:t>Support tổng hợp data từ nhiều backend, customize more</a:t>
-            </a:r>
-          </a:p>
-          <a:p>
-            <a:endParaRPr lang="en-US" smtClean="0">
+              <a:rPr lang="en-US" dirty="0" smtClean="0">
+                <a:latin typeface="Times New Roman" panose="02020603050405020304" pitchFamily="18" charset="0"/>
+                <a:cs typeface="Times New Roman" panose="02020603050405020304" pitchFamily="18" charset="0"/>
+              </a:rPr>
+              <a:t> </a:t>
+            </a:r>
+            <a:r>
+              <a:rPr lang="en-US" dirty="0" err="1" smtClean="0">
+                <a:latin typeface="Times New Roman" panose="02020603050405020304" pitchFamily="18" charset="0"/>
+                <a:cs typeface="Times New Roman" panose="02020603050405020304" pitchFamily="18" charset="0"/>
+              </a:rPr>
+              <a:t>và</a:t>
+            </a:r>
+            <a:r>
+              <a:rPr lang="en-US" dirty="0" smtClean="0">
+                <a:latin typeface="Times New Roman" panose="02020603050405020304" pitchFamily="18" charset="0"/>
+                <a:cs typeface="Times New Roman" panose="02020603050405020304" pitchFamily="18" charset="0"/>
+              </a:rPr>
+              <a:t> handle partial failures (circle breaker, failback)</a:t>
+            </a:r>
+          </a:p>
+          <a:p>
+            <a:r>
+              <a:rPr lang="en-US" dirty="0" smtClean="0">
+                <a:latin typeface="Times New Roman" panose="02020603050405020304" pitchFamily="18" charset="0"/>
+                <a:cs typeface="Times New Roman" panose="02020603050405020304" pitchFamily="18" charset="0"/>
+              </a:rPr>
+              <a:t>Support nhiều </a:t>
+            </a:r>
+            <a:r>
+              <a:rPr lang="en-US" dirty="0" err="1" smtClean="0">
+                <a:latin typeface="Times New Roman" panose="02020603050405020304" pitchFamily="18" charset="0"/>
+                <a:cs typeface="Times New Roman" panose="02020603050405020304" pitchFamily="18" charset="0"/>
+              </a:rPr>
+              <a:t>loại</a:t>
+            </a:r>
+            <a:r>
+              <a:rPr lang="en-US" dirty="0" smtClean="0">
+                <a:latin typeface="Times New Roman" panose="02020603050405020304" pitchFamily="18" charset="0"/>
+                <a:cs typeface="Times New Roman" panose="02020603050405020304" pitchFamily="18" charset="0"/>
+              </a:rPr>
+              <a:t> backend: Web, Thrift, GRPC, AMQP, …</a:t>
+            </a:r>
+          </a:p>
+          <a:p>
+            <a:r>
+              <a:rPr lang="en-US" dirty="0" smtClean="0">
+                <a:latin typeface="Times New Roman" panose="02020603050405020304" pitchFamily="18" charset="0"/>
+                <a:cs typeface="Times New Roman" panose="02020603050405020304" pitchFamily="18" charset="0"/>
+              </a:rPr>
+              <a:t>Support </a:t>
+            </a:r>
+            <a:r>
+              <a:rPr lang="en-US" dirty="0" err="1" smtClean="0">
+                <a:latin typeface="Times New Roman" panose="02020603050405020304" pitchFamily="18" charset="0"/>
+                <a:cs typeface="Times New Roman" panose="02020603050405020304" pitchFamily="18" charset="0"/>
+              </a:rPr>
+              <a:t>tổng</a:t>
+            </a:r>
+            <a:r>
+              <a:rPr lang="en-US" dirty="0" smtClean="0">
+                <a:latin typeface="Times New Roman" panose="02020603050405020304" pitchFamily="18" charset="0"/>
+                <a:cs typeface="Times New Roman" panose="02020603050405020304" pitchFamily="18" charset="0"/>
+              </a:rPr>
+              <a:t> </a:t>
+            </a:r>
+            <a:r>
+              <a:rPr lang="en-US" dirty="0" err="1" smtClean="0">
+                <a:latin typeface="Times New Roman" panose="02020603050405020304" pitchFamily="18" charset="0"/>
+                <a:cs typeface="Times New Roman" panose="02020603050405020304" pitchFamily="18" charset="0"/>
+              </a:rPr>
+              <a:t>hợp</a:t>
+            </a:r>
+            <a:r>
+              <a:rPr lang="en-US" dirty="0" smtClean="0">
+                <a:latin typeface="Times New Roman" panose="02020603050405020304" pitchFamily="18" charset="0"/>
+                <a:cs typeface="Times New Roman" panose="02020603050405020304" pitchFamily="18" charset="0"/>
+              </a:rPr>
+              <a:t> data </a:t>
+            </a:r>
+            <a:r>
+              <a:rPr lang="en-US" dirty="0" err="1" smtClean="0">
+                <a:latin typeface="Times New Roman" panose="02020603050405020304" pitchFamily="18" charset="0"/>
+                <a:cs typeface="Times New Roman" panose="02020603050405020304" pitchFamily="18" charset="0"/>
+              </a:rPr>
+              <a:t>từ</a:t>
+            </a:r>
+            <a:r>
+              <a:rPr lang="en-US" dirty="0" smtClean="0">
+                <a:latin typeface="Times New Roman" panose="02020603050405020304" pitchFamily="18" charset="0"/>
+                <a:cs typeface="Times New Roman" panose="02020603050405020304" pitchFamily="18" charset="0"/>
+              </a:rPr>
+              <a:t> nhiều backend, customize more</a:t>
+            </a:r>
+          </a:p>
+          <a:p>
+            <a:endParaRPr lang="en-US" dirty="0" smtClean="0">
               <a:latin typeface="Times New Roman" panose="02020603050405020304" pitchFamily="18" charset="0"/>
               <a:cs typeface="Times New Roman" panose="02020603050405020304" pitchFamily="18" charset="0"/>
             </a:endParaRPr>
@@ -5118,6 +5415,207 @@
   <p:clrMapOvr>
     <a:masterClrMapping/>
   </p:clrMapOvr>
+  <p:timing>
+    <p:tnLst>
+      <p:par>
+        <p:cTn id="1" dur="indefinite" restart="never" nodeType="tmRoot">
+          <p:childTnLst>
+            <p:seq concurrent="1" nextAc="seek">
+              <p:cTn id="2" dur="indefinite" nodeType="mainSeq">
+                <p:childTnLst>
+                  <p:par>
+                    <p:cTn id="3" fill="hold">
+                      <p:stCondLst>
+                        <p:cond delay="indefinite"/>
+                      </p:stCondLst>
+                      <p:childTnLst>
+                        <p:par>
+                          <p:cTn id="4" fill="hold">
+                            <p:stCondLst>
+                              <p:cond delay="0"/>
+                            </p:stCondLst>
+                            <p:childTnLst>
+                              <p:par>
+                                <p:cTn id="5" presetID="1" presetClass="entr" presetSubtype="0" fill="hold" grpId="0" nodeType="clickEffect">
+                                  <p:stCondLst>
+                                    <p:cond delay="0"/>
+                                  </p:stCondLst>
+                                  <p:childTnLst>
+                                    <p:set>
+                                      <p:cBhvr>
+                                        <p:cTn id="6" dur="1" fill="hold">
+                                          <p:stCondLst>
+                                            <p:cond delay="0"/>
+                                          </p:stCondLst>
+                                        </p:cTn>
+                                        <p:tgtEl>
+                                          <p:spTgt spid="10"/>
+                                        </p:tgtEl>
+                                        <p:attrNameLst>
+                                          <p:attrName>style.visibility</p:attrName>
+                                        </p:attrNameLst>
+                                      </p:cBhvr>
+                                      <p:to>
+                                        <p:strVal val="visible"/>
+                                      </p:to>
+                                    </p:set>
+                                  </p:childTnLst>
+                                </p:cTn>
+                              </p:par>
+                            </p:childTnLst>
+                          </p:cTn>
+                        </p:par>
+                      </p:childTnLst>
+                    </p:cTn>
+                  </p:par>
+                  <p:par>
+                    <p:cTn id="7" fill="hold">
+                      <p:stCondLst>
+                        <p:cond delay="indefinite"/>
+                      </p:stCondLst>
+                      <p:childTnLst>
+                        <p:par>
+                          <p:cTn id="8" fill="hold">
+                            <p:stCondLst>
+                              <p:cond delay="0"/>
+                            </p:stCondLst>
+                            <p:childTnLst>
+                              <p:par>
+                                <p:cTn id="9" presetID="31" presetClass="entr" presetSubtype="0" fill="hold" grpId="0" nodeType="clickEffect">
+                                  <p:stCondLst>
+                                    <p:cond delay="0"/>
+                                  </p:stCondLst>
+                                  <p:childTnLst>
+                                    <p:set>
+                                      <p:cBhvr>
+                                        <p:cTn id="10" dur="1" fill="hold">
+                                          <p:stCondLst>
+                                            <p:cond delay="0"/>
+                                          </p:stCondLst>
+                                        </p:cTn>
+                                        <p:tgtEl>
+                                          <p:spTgt spid="4"/>
+                                        </p:tgtEl>
+                                        <p:attrNameLst>
+                                          <p:attrName>style.visibility</p:attrName>
+                                        </p:attrNameLst>
+                                      </p:cBhvr>
+                                      <p:to>
+                                        <p:strVal val="visible"/>
+                                      </p:to>
+                                    </p:set>
+                                    <p:anim calcmode="lin" valueType="num">
+                                      <p:cBhvr>
+                                        <p:cTn id="11" dur="1000" fill="hold"/>
+                                        <p:tgtEl>
+                                          <p:spTgt spid="4"/>
+                                        </p:tgtEl>
+                                        <p:attrNameLst>
+                                          <p:attrName>ppt_w</p:attrName>
+                                        </p:attrNameLst>
+                                      </p:cBhvr>
+                                      <p:tavLst>
+                                        <p:tav tm="0">
+                                          <p:val>
+                                            <p:fltVal val="0"/>
+                                          </p:val>
+                                        </p:tav>
+                                        <p:tav tm="100000">
+                                          <p:val>
+                                            <p:strVal val="#ppt_w"/>
+                                          </p:val>
+                                        </p:tav>
+                                      </p:tavLst>
+                                    </p:anim>
+                                    <p:anim calcmode="lin" valueType="num">
+                                      <p:cBhvr>
+                                        <p:cTn id="12" dur="1000" fill="hold"/>
+                                        <p:tgtEl>
+                                          <p:spTgt spid="4"/>
+                                        </p:tgtEl>
+                                        <p:attrNameLst>
+                                          <p:attrName>ppt_h</p:attrName>
+                                        </p:attrNameLst>
+                                      </p:cBhvr>
+                                      <p:tavLst>
+                                        <p:tav tm="0">
+                                          <p:val>
+                                            <p:fltVal val="0"/>
+                                          </p:val>
+                                        </p:tav>
+                                        <p:tav tm="100000">
+                                          <p:val>
+                                            <p:strVal val="#ppt_h"/>
+                                          </p:val>
+                                        </p:tav>
+                                      </p:tavLst>
+                                    </p:anim>
+                                    <p:anim calcmode="lin" valueType="num">
+                                      <p:cBhvr>
+                                        <p:cTn id="13" dur="1000" fill="hold"/>
+                                        <p:tgtEl>
+                                          <p:spTgt spid="4"/>
+                                        </p:tgtEl>
+                                        <p:attrNameLst>
+                                          <p:attrName>style.rotation</p:attrName>
+                                        </p:attrNameLst>
+                                      </p:cBhvr>
+                                      <p:tavLst>
+                                        <p:tav tm="0">
+                                          <p:val>
+                                            <p:fltVal val="90"/>
+                                          </p:val>
+                                        </p:tav>
+                                        <p:tav tm="100000">
+                                          <p:val>
+                                            <p:fltVal val="0"/>
+                                          </p:val>
+                                        </p:tav>
+                                      </p:tavLst>
+                                    </p:anim>
+                                    <p:animEffect transition="in" filter="fade">
+                                      <p:cBhvr>
+                                        <p:cTn id="14" dur="1000"/>
+                                        <p:tgtEl>
+                                          <p:spTgt spid="4"/>
+                                        </p:tgtEl>
+                                      </p:cBhvr>
+                                    </p:animEffect>
+                                  </p:childTnLst>
+                                </p:cTn>
+                              </p:par>
+                            </p:childTnLst>
+                          </p:cTn>
+                        </p:par>
+                      </p:childTnLst>
+                    </p:cTn>
+                  </p:par>
+                </p:childTnLst>
+              </p:cTn>
+              <p:prevCondLst>
+                <p:cond evt="onPrev" delay="0">
+                  <p:tgtEl>
+                    <p:sldTgt/>
+                  </p:tgtEl>
+                </p:cond>
+              </p:prevCondLst>
+              <p:nextCondLst>
+                <p:cond evt="onNext" delay="0">
+                  <p:tgtEl>
+                    <p:sldTgt/>
+                  </p:tgtEl>
+                </p:cond>
+              </p:nextCondLst>
+            </p:seq>
+          </p:childTnLst>
+        </p:cTn>
+      </p:par>
+    </p:tnLst>
+    <p:bldLst>
+      <p:bldP spid="4" grpId="0" animBg="1"/>
+      <p:bldP spid="10" grpId="0"/>
+    </p:bldLst>
+  </p:timing>
 </p:sld>
 </file>
 
